--- a/ppt 16-9/1316.惟喜爱耶和华.pptx
+++ b/ppt 16-9/1316.惟喜爱耶和华.pptx
@@ -5,7 +5,7 @@
     <p:sldMasterId id="2147483648" r:id="rId1"/>
   </p:sldMasterIdLst>
   <p:sldIdLst>
-    <p:sldId id="867" r:id="rId2"/>
+    <p:sldId id="868" r:id="rId2"/>
   </p:sldIdLst>
   <p:sldSz cx="12192000" cy="6858000"/>
   <p:notesSz cx="6858000" cy="9144000"/>
@@ -129,7 +129,7 @@
           <p:cNvPr id="2" name="标题 1">
             <a:extLst>
               <a:ext uri="{FF2B5EF4-FFF2-40B4-BE49-F238E27FC236}">
-                <a16:creationId xmlns:a16="http://schemas.microsoft.com/office/drawing/2014/main" id="{77AB4DAA-95BF-8BAA-C163-A36DCA89F948}"/>
+                <a16:creationId xmlns:a16="http://schemas.microsoft.com/office/drawing/2014/main" id="{304E8D8A-E8D1-ED3E-CA3F-41BB19F0C90A}"/>
               </a:ext>
             </a:extLst>
           </p:cNvPr>
@@ -166,7 +166,7 @@
           <p:cNvPr id="3" name="副标题 2">
             <a:extLst>
               <a:ext uri="{FF2B5EF4-FFF2-40B4-BE49-F238E27FC236}">
-                <a16:creationId xmlns:a16="http://schemas.microsoft.com/office/drawing/2014/main" id="{6B93FB72-87ED-B227-BDCB-0C7DF57E236E}"/>
+                <a16:creationId xmlns:a16="http://schemas.microsoft.com/office/drawing/2014/main" id="{880D7EF2-25F9-46BB-D2C0-140A3FBE8B88}"/>
               </a:ext>
             </a:extLst>
           </p:cNvPr>
@@ -236,7 +236,7 @@
           <p:cNvPr id="4" name="日期占位符 3">
             <a:extLst>
               <a:ext uri="{FF2B5EF4-FFF2-40B4-BE49-F238E27FC236}">
-                <a16:creationId xmlns:a16="http://schemas.microsoft.com/office/drawing/2014/main" id="{1744E2B2-06D3-E8AF-13A3-50E13C24B91F}"/>
+                <a16:creationId xmlns:a16="http://schemas.microsoft.com/office/drawing/2014/main" id="{B9B4079B-15F3-8F3C-8BAE-9D76102D8C32}"/>
               </a:ext>
             </a:extLst>
           </p:cNvPr>
@@ -252,7 +252,7 @@
           <a:bodyPr/>
           <a:lstStyle/>
           <a:p>
-            <a:fld id="{2A2AFC07-5ECE-4CC9-94C1-AE3E71F40BE5}" type="datetimeFigureOut">
+            <a:fld id="{262E38BC-A53A-4045-951C-CBBEFBE14EF5}" type="datetimeFigureOut">
               <a:rPr lang="zh-CN" altLang="en-US" smtClean="0"/>
               <a:t>2024/3/10</a:t>
             </a:fld>
@@ -265,7 +265,7 @@
           <p:cNvPr id="5" name="页脚占位符 4">
             <a:extLst>
               <a:ext uri="{FF2B5EF4-FFF2-40B4-BE49-F238E27FC236}">
-                <a16:creationId xmlns:a16="http://schemas.microsoft.com/office/drawing/2014/main" id="{A66A72B3-9707-1608-A829-731471C2A6AD}"/>
+                <a16:creationId xmlns:a16="http://schemas.microsoft.com/office/drawing/2014/main" id="{ACD80CC9-B4FF-D9E9-ACCB-59E80DC587DE}"/>
               </a:ext>
             </a:extLst>
           </p:cNvPr>
@@ -290,7 +290,7 @@
           <p:cNvPr id="6" name="灯片编号占位符 5">
             <a:extLst>
               <a:ext uri="{FF2B5EF4-FFF2-40B4-BE49-F238E27FC236}">
-                <a16:creationId xmlns:a16="http://schemas.microsoft.com/office/drawing/2014/main" id="{F6C47451-BF79-995B-485A-FAB022F1B9E6}"/>
+                <a16:creationId xmlns:a16="http://schemas.microsoft.com/office/drawing/2014/main" id="{2EC4E1F3-5B49-91E8-EC0F-BDDB558BB31C}"/>
               </a:ext>
             </a:extLst>
           </p:cNvPr>
@@ -306,7 +306,7 @@
           <a:bodyPr/>
           <a:lstStyle/>
           <a:p>
-            <a:fld id="{15D008D2-02B8-4371-B89A-4029AADAE8BE}" type="slidenum">
+            <a:fld id="{1FB48DD2-CF1C-4ED1-BF42-71F1E0DFFC33}" type="slidenum">
               <a:rPr lang="zh-CN" altLang="en-US" smtClean="0"/>
               <a:t>‹#›</a:t>
             </a:fld>
@@ -317,7 +317,7 @@
     </p:spTree>
     <p:extLst>
       <p:ext uri="{BB962C8B-B14F-4D97-AF65-F5344CB8AC3E}">
-        <p14:creationId xmlns:p14="http://schemas.microsoft.com/office/powerpoint/2010/main" val="3268700150"/>
+        <p14:creationId xmlns:p14="http://schemas.microsoft.com/office/powerpoint/2010/main" val="2632266029"/>
       </p:ext>
     </p:extLst>
   </p:cSld>
@@ -349,7 +349,7 @@
           <p:cNvPr id="2" name="标题 1">
             <a:extLst>
               <a:ext uri="{FF2B5EF4-FFF2-40B4-BE49-F238E27FC236}">
-                <a16:creationId xmlns:a16="http://schemas.microsoft.com/office/drawing/2014/main" id="{E034C6A0-DCA1-A2E0-276D-534457352A11}"/>
+                <a16:creationId xmlns:a16="http://schemas.microsoft.com/office/drawing/2014/main" id="{8A47D6EC-9F5A-9D13-434C-A66F7FF21D9A}"/>
               </a:ext>
             </a:extLst>
           </p:cNvPr>
@@ -377,7 +377,7 @@
           <p:cNvPr id="3" name="竖排文字占位符 2">
             <a:extLst>
               <a:ext uri="{FF2B5EF4-FFF2-40B4-BE49-F238E27FC236}">
-                <a16:creationId xmlns:a16="http://schemas.microsoft.com/office/drawing/2014/main" id="{EA3B7E86-4726-5BF9-9EB0-6CEF50E2913B}"/>
+                <a16:creationId xmlns:a16="http://schemas.microsoft.com/office/drawing/2014/main" id="{8DCB4492-26A2-432A-E6AC-F42BC0FF7B1C}"/>
               </a:ext>
             </a:extLst>
           </p:cNvPr>
@@ -434,7 +434,7 @@
           <p:cNvPr id="4" name="日期占位符 3">
             <a:extLst>
               <a:ext uri="{FF2B5EF4-FFF2-40B4-BE49-F238E27FC236}">
-                <a16:creationId xmlns:a16="http://schemas.microsoft.com/office/drawing/2014/main" id="{89010961-FF63-C03A-75A0-5651AB6DADB8}"/>
+                <a16:creationId xmlns:a16="http://schemas.microsoft.com/office/drawing/2014/main" id="{0AF5FE35-95FF-767B-B66C-3E816CBC1004}"/>
               </a:ext>
             </a:extLst>
           </p:cNvPr>
@@ -450,7 +450,7 @@
           <a:bodyPr/>
           <a:lstStyle/>
           <a:p>
-            <a:fld id="{2A2AFC07-5ECE-4CC9-94C1-AE3E71F40BE5}" type="datetimeFigureOut">
+            <a:fld id="{262E38BC-A53A-4045-951C-CBBEFBE14EF5}" type="datetimeFigureOut">
               <a:rPr lang="zh-CN" altLang="en-US" smtClean="0"/>
               <a:t>2024/3/10</a:t>
             </a:fld>
@@ -463,7 +463,7 @@
           <p:cNvPr id="5" name="页脚占位符 4">
             <a:extLst>
               <a:ext uri="{FF2B5EF4-FFF2-40B4-BE49-F238E27FC236}">
-                <a16:creationId xmlns:a16="http://schemas.microsoft.com/office/drawing/2014/main" id="{73F6AE60-4AFF-C1C0-EC77-680B4E111C4A}"/>
+                <a16:creationId xmlns:a16="http://schemas.microsoft.com/office/drawing/2014/main" id="{17B571A1-BC62-9E96-6A15-248CB32589D7}"/>
               </a:ext>
             </a:extLst>
           </p:cNvPr>
@@ -488,7 +488,7 @@
           <p:cNvPr id="6" name="灯片编号占位符 5">
             <a:extLst>
               <a:ext uri="{FF2B5EF4-FFF2-40B4-BE49-F238E27FC236}">
-                <a16:creationId xmlns:a16="http://schemas.microsoft.com/office/drawing/2014/main" id="{70812121-5856-884A-7335-E9712A580167}"/>
+                <a16:creationId xmlns:a16="http://schemas.microsoft.com/office/drawing/2014/main" id="{1AD457F2-34C0-3A18-8A98-021C0EFFBE2F}"/>
               </a:ext>
             </a:extLst>
           </p:cNvPr>
@@ -504,7 +504,7 @@
           <a:bodyPr/>
           <a:lstStyle/>
           <a:p>
-            <a:fld id="{15D008D2-02B8-4371-B89A-4029AADAE8BE}" type="slidenum">
+            <a:fld id="{1FB48DD2-CF1C-4ED1-BF42-71F1E0DFFC33}" type="slidenum">
               <a:rPr lang="zh-CN" altLang="en-US" smtClean="0"/>
               <a:t>‹#›</a:t>
             </a:fld>
@@ -515,7 +515,7 @@
     </p:spTree>
     <p:extLst>
       <p:ext uri="{BB962C8B-B14F-4D97-AF65-F5344CB8AC3E}">
-        <p14:creationId xmlns:p14="http://schemas.microsoft.com/office/powerpoint/2010/main" val="4290040201"/>
+        <p14:creationId xmlns:p14="http://schemas.microsoft.com/office/powerpoint/2010/main" val="3099258643"/>
       </p:ext>
     </p:extLst>
   </p:cSld>
@@ -547,7 +547,7 @@
           <p:cNvPr id="2" name="竖排标题 1">
             <a:extLst>
               <a:ext uri="{FF2B5EF4-FFF2-40B4-BE49-F238E27FC236}">
-                <a16:creationId xmlns:a16="http://schemas.microsoft.com/office/drawing/2014/main" id="{A6788CD0-C4DA-FDE4-DE67-136A929043B4}"/>
+                <a16:creationId xmlns:a16="http://schemas.microsoft.com/office/drawing/2014/main" id="{4C63AE67-BAC7-22D2-EF73-8A33369E5757}"/>
               </a:ext>
             </a:extLst>
           </p:cNvPr>
@@ -580,7 +580,7 @@
           <p:cNvPr id="3" name="竖排文字占位符 2">
             <a:extLst>
               <a:ext uri="{FF2B5EF4-FFF2-40B4-BE49-F238E27FC236}">
-                <a16:creationId xmlns:a16="http://schemas.microsoft.com/office/drawing/2014/main" id="{A975CD01-4F01-AA12-701D-3BED9D7D9DC3}"/>
+                <a16:creationId xmlns:a16="http://schemas.microsoft.com/office/drawing/2014/main" id="{DC77F851-05AA-4DF8-6419-B8DD51D9665F}"/>
               </a:ext>
             </a:extLst>
           </p:cNvPr>
@@ -642,7 +642,7 @@
           <p:cNvPr id="4" name="日期占位符 3">
             <a:extLst>
               <a:ext uri="{FF2B5EF4-FFF2-40B4-BE49-F238E27FC236}">
-                <a16:creationId xmlns:a16="http://schemas.microsoft.com/office/drawing/2014/main" id="{005B3C84-972F-70D7-927D-D6C2FD328424}"/>
+                <a16:creationId xmlns:a16="http://schemas.microsoft.com/office/drawing/2014/main" id="{B4D76C81-F3BA-602A-F104-B06BF1872CCE}"/>
               </a:ext>
             </a:extLst>
           </p:cNvPr>
@@ -658,7 +658,7 @@
           <a:bodyPr/>
           <a:lstStyle/>
           <a:p>
-            <a:fld id="{2A2AFC07-5ECE-4CC9-94C1-AE3E71F40BE5}" type="datetimeFigureOut">
+            <a:fld id="{262E38BC-A53A-4045-951C-CBBEFBE14EF5}" type="datetimeFigureOut">
               <a:rPr lang="zh-CN" altLang="en-US" smtClean="0"/>
               <a:t>2024/3/10</a:t>
             </a:fld>
@@ -671,7 +671,7 @@
           <p:cNvPr id="5" name="页脚占位符 4">
             <a:extLst>
               <a:ext uri="{FF2B5EF4-FFF2-40B4-BE49-F238E27FC236}">
-                <a16:creationId xmlns:a16="http://schemas.microsoft.com/office/drawing/2014/main" id="{FA11EBF7-4FEC-19D6-B437-23112F59E8CC}"/>
+                <a16:creationId xmlns:a16="http://schemas.microsoft.com/office/drawing/2014/main" id="{161C08E3-F295-F606-FFD0-92FFE840EE55}"/>
               </a:ext>
             </a:extLst>
           </p:cNvPr>
@@ -696,7 +696,7 @@
           <p:cNvPr id="6" name="灯片编号占位符 5">
             <a:extLst>
               <a:ext uri="{FF2B5EF4-FFF2-40B4-BE49-F238E27FC236}">
-                <a16:creationId xmlns:a16="http://schemas.microsoft.com/office/drawing/2014/main" id="{27C2DDF1-8B57-7149-8FFC-E218A05DAAAB}"/>
+                <a16:creationId xmlns:a16="http://schemas.microsoft.com/office/drawing/2014/main" id="{0A9C0C06-3754-14D1-0FA8-36C258D3C9E8}"/>
               </a:ext>
             </a:extLst>
           </p:cNvPr>
@@ -712,7 +712,7 @@
           <a:bodyPr/>
           <a:lstStyle/>
           <a:p>
-            <a:fld id="{15D008D2-02B8-4371-B89A-4029AADAE8BE}" type="slidenum">
+            <a:fld id="{1FB48DD2-CF1C-4ED1-BF42-71F1E0DFFC33}" type="slidenum">
               <a:rPr lang="zh-CN" altLang="en-US" smtClean="0"/>
               <a:t>‹#›</a:t>
             </a:fld>
@@ -723,7 +723,7 @@
     </p:spTree>
     <p:extLst>
       <p:ext uri="{BB962C8B-B14F-4D97-AF65-F5344CB8AC3E}">
-        <p14:creationId xmlns:p14="http://schemas.microsoft.com/office/powerpoint/2010/main" val="448107545"/>
+        <p14:creationId xmlns:p14="http://schemas.microsoft.com/office/powerpoint/2010/main" val="2440229307"/>
       </p:ext>
     </p:extLst>
   </p:cSld>
@@ -755,7 +755,7 @@
           <p:cNvPr id="2" name="标题 1">
             <a:extLst>
               <a:ext uri="{FF2B5EF4-FFF2-40B4-BE49-F238E27FC236}">
-                <a16:creationId xmlns:a16="http://schemas.microsoft.com/office/drawing/2014/main" id="{4438BC91-5EEB-6C8D-B648-9022EB73728F}"/>
+                <a16:creationId xmlns:a16="http://schemas.microsoft.com/office/drawing/2014/main" id="{94F73B8C-88C5-955F-65D2-744BC835A86B}"/>
               </a:ext>
             </a:extLst>
           </p:cNvPr>
@@ -783,7 +783,7 @@
           <p:cNvPr id="3" name="内容占位符 2">
             <a:extLst>
               <a:ext uri="{FF2B5EF4-FFF2-40B4-BE49-F238E27FC236}">
-                <a16:creationId xmlns:a16="http://schemas.microsoft.com/office/drawing/2014/main" id="{01A3B7BC-4A7E-10AA-D9F5-1CA04219FF98}"/>
+                <a16:creationId xmlns:a16="http://schemas.microsoft.com/office/drawing/2014/main" id="{FEFF07EA-AF42-74AA-DD44-FDB48D857407}"/>
               </a:ext>
             </a:extLst>
           </p:cNvPr>
@@ -840,7 +840,7 @@
           <p:cNvPr id="4" name="日期占位符 3">
             <a:extLst>
               <a:ext uri="{FF2B5EF4-FFF2-40B4-BE49-F238E27FC236}">
-                <a16:creationId xmlns:a16="http://schemas.microsoft.com/office/drawing/2014/main" id="{E5ABE54D-0899-0871-2592-2607A2AF5DE5}"/>
+                <a16:creationId xmlns:a16="http://schemas.microsoft.com/office/drawing/2014/main" id="{00237776-AE52-1C52-3ADB-D155A4B66F5B}"/>
               </a:ext>
             </a:extLst>
           </p:cNvPr>
@@ -856,7 +856,7 @@
           <a:bodyPr/>
           <a:lstStyle/>
           <a:p>
-            <a:fld id="{2A2AFC07-5ECE-4CC9-94C1-AE3E71F40BE5}" type="datetimeFigureOut">
+            <a:fld id="{262E38BC-A53A-4045-951C-CBBEFBE14EF5}" type="datetimeFigureOut">
               <a:rPr lang="zh-CN" altLang="en-US" smtClean="0"/>
               <a:t>2024/3/10</a:t>
             </a:fld>
@@ -869,7 +869,7 @@
           <p:cNvPr id="5" name="页脚占位符 4">
             <a:extLst>
               <a:ext uri="{FF2B5EF4-FFF2-40B4-BE49-F238E27FC236}">
-                <a16:creationId xmlns:a16="http://schemas.microsoft.com/office/drawing/2014/main" id="{948D2F47-C0FE-9FD0-61FB-A7EBB19081B9}"/>
+                <a16:creationId xmlns:a16="http://schemas.microsoft.com/office/drawing/2014/main" id="{1B70CFBD-D065-78CA-1973-6AA844863A27}"/>
               </a:ext>
             </a:extLst>
           </p:cNvPr>
@@ -894,7 +894,7 @@
           <p:cNvPr id="6" name="灯片编号占位符 5">
             <a:extLst>
               <a:ext uri="{FF2B5EF4-FFF2-40B4-BE49-F238E27FC236}">
-                <a16:creationId xmlns:a16="http://schemas.microsoft.com/office/drawing/2014/main" id="{271EC69F-2E6B-62F9-1656-59571EDC7FEE}"/>
+                <a16:creationId xmlns:a16="http://schemas.microsoft.com/office/drawing/2014/main" id="{F25A5F75-C37D-BDD9-08ED-8E4BC2DDB4B1}"/>
               </a:ext>
             </a:extLst>
           </p:cNvPr>
@@ -910,7 +910,7 @@
           <a:bodyPr/>
           <a:lstStyle/>
           <a:p>
-            <a:fld id="{15D008D2-02B8-4371-B89A-4029AADAE8BE}" type="slidenum">
+            <a:fld id="{1FB48DD2-CF1C-4ED1-BF42-71F1E0DFFC33}" type="slidenum">
               <a:rPr lang="zh-CN" altLang="en-US" smtClean="0"/>
               <a:t>‹#›</a:t>
             </a:fld>
@@ -921,7 +921,7 @@
     </p:spTree>
     <p:extLst>
       <p:ext uri="{BB962C8B-B14F-4D97-AF65-F5344CB8AC3E}">
-        <p14:creationId xmlns:p14="http://schemas.microsoft.com/office/powerpoint/2010/main" val="478402892"/>
+        <p14:creationId xmlns:p14="http://schemas.microsoft.com/office/powerpoint/2010/main" val="1438458342"/>
       </p:ext>
     </p:extLst>
   </p:cSld>
@@ -953,7 +953,7 @@
           <p:cNvPr id="2" name="标题 1">
             <a:extLst>
               <a:ext uri="{FF2B5EF4-FFF2-40B4-BE49-F238E27FC236}">
-                <a16:creationId xmlns:a16="http://schemas.microsoft.com/office/drawing/2014/main" id="{9CED657E-C430-FCFB-C78F-53647CB04FA6}"/>
+                <a16:creationId xmlns:a16="http://schemas.microsoft.com/office/drawing/2014/main" id="{C54A5828-D26B-BF7E-DAC4-18740AEF845B}"/>
               </a:ext>
             </a:extLst>
           </p:cNvPr>
@@ -990,7 +990,7 @@
           <p:cNvPr id="3" name="文本占位符 2">
             <a:extLst>
               <a:ext uri="{FF2B5EF4-FFF2-40B4-BE49-F238E27FC236}">
-                <a16:creationId xmlns:a16="http://schemas.microsoft.com/office/drawing/2014/main" id="{82099532-F17D-8BFE-7A3C-A8F2C79D68ED}"/>
+                <a16:creationId xmlns:a16="http://schemas.microsoft.com/office/drawing/2014/main" id="{8AE2F3AC-AC6D-AFFC-5E30-885464ECFEDB}"/>
               </a:ext>
             </a:extLst>
           </p:cNvPr>
@@ -1115,7 +1115,7 @@
           <p:cNvPr id="4" name="日期占位符 3">
             <a:extLst>
               <a:ext uri="{FF2B5EF4-FFF2-40B4-BE49-F238E27FC236}">
-                <a16:creationId xmlns:a16="http://schemas.microsoft.com/office/drawing/2014/main" id="{B37FC473-DAA2-5FA4-AA36-0C27547233F2}"/>
+                <a16:creationId xmlns:a16="http://schemas.microsoft.com/office/drawing/2014/main" id="{884FA470-7D1F-6CCE-24C6-2873AFCC1799}"/>
               </a:ext>
             </a:extLst>
           </p:cNvPr>
@@ -1131,7 +1131,7 @@
           <a:bodyPr/>
           <a:lstStyle/>
           <a:p>
-            <a:fld id="{2A2AFC07-5ECE-4CC9-94C1-AE3E71F40BE5}" type="datetimeFigureOut">
+            <a:fld id="{262E38BC-A53A-4045-951C-CBBEFBE14EF5}" type="datetimeFigureOut">
               <a:rPr lang="zh-CN" altLang="en-US" smtClean="0"/>
               <a:t>2024/3/10</a:t>
             </a:fld>
@@ -1144,7 +1144,7 @@
           <p:cNvPr id="5" name="页脚占位符 4">
             <a:extLst>
               <a:ext uri="{FF2B5EF4-FFF2-40B4-BE49-F238E27FC236}">
-                <a16:creationId xmlns:a16="http://schemas.microsoft.com/office/drawing/2014/main" id="{C8A2D0FE-65FA-44C6-29E9-E805377DBE9E}"/>
+                <a16:creationId xmlns:a16="http://schemas.microsoft.com/office/drawing/2014/main" id="{62C976B4-441E-B46E-9FEA-C039AA3C3733}"/>
               </a:ext>
             </a:extLst>
           </p:cNvPr>
@@ -1169,7 +1169,7 @@
           <p:cNvPr id="6" name="灯片编号占位符 5">
             <a:extLst>
               <a:ext uri="{FF2B5EF4-FFF2-40B4-BE49-F238E27FC236}">
-                <a16:creationId xmlns:a16="http://schemas.microsoft.com/office/drawing/2014/main" id="{8C62DC94-C7B4-1519-DD98-4768CADD6D88}"/>
+                <a16:creationId xmlns:a16="http://schemas.microsoft.com/office/drawing/2014/main" id="{9554DDE7-339F-AF98-4AB8-7D0CFF411025}"/>
               </a:ext>
             </a:extLst>
           </p:cNvPr>
@@ -1185,7 +1185,7 @@
           <a:bodyPr/>
           <a:lstStyle/>
           <a:p>
-            <a:fld id="{15D008D2-02B8-4371-B89A-4029AADAE8BE}" type="slidenum">
+            <a:fld id="{1FB48DD2-CF1C-4ED1-BF42-71F1E0DFFC33}" type="slidenum">
               <a:rPr lang="zh-CN" altLang="en-US" smtClean="0"/>
               <a:t>‹#›</a:t>
             </a:fld>
@@ -1196,7 +1196,7 @@
     </p:spTree>
     <p:extLst>
       <p:ext uri="{BB962C8B-B14F-4D97-AF65-F5344CB8AC3E}">
-        <p14:creationId xmlns:p14="http://schemas.microsoft.com/office/powerpoint/2010/main" val="1303364974"/>
+        <p14:creationId xmlns:p14="http://schemas.microsoft.com/office/powerpoint/2010/main" val="3788772799"/>
       </p:ext>
     </p:extLst>
   </p:cSld>
@@ -1228,7 +1228,7 @@
           <p:cNvPr id="2" name="标题 1">
             <a:extLst>
               <a:ext uri="{FF2B5EF4-FFF2-40B4-BE49-F238E27FC236}">
-                <a16:creationId xmlns:a16="http://schemas.microsoft.com/office/drawing/2014/main" id="{0E89CC92-6D8F-E8B3-4299-0ADEEA196C7D}"/>
+                <a16:creationId xmlns:a16="http://schemas.microsoft.com/office/drawing/2014/main" id="{3DB60908-B9A5-D651-F5E7-F32756726EFF}"/>
               </a:ext>
             </a:extLst>
           </p:cNvPr>
@@ -1256,7 +1256,7 @@
           <p:cNvPr id="3" name="内容占位符 2">
             <a:extLst>
               <a:ext uri="{FF2B5EF4-FFF2-40B4-BE49-F238E27FC236}">
-                <a16:creationId xmlns:a16="http://schemas.microsoft.com/office/drawing/2014/main" id="{B9CB083D-A2B3-9CD3-79A3-D00D7B1A8072}"/>
+                <a16:creationId xmlns:a16="http://schemas.microsoft.com/office/drawing/2014/main" id="{4FAF01F7-E0D9-3C4B-FFD1-63C7499A56B3}"/>
               </a:ext>
             </a:extLst>
           </p:cNvPr>
@@ -1318,7 +1318,7 @@
           <p:cNvPr id="4" name="内容占位符 3">
             <a:extLst>
               <a:ext uri="{FF2B5EF4-FFF2-40B4-BE49-F238E27FC236}">
-                <a16:creationId xmlns:a16="http://schemas.microsoft.com/office/drawing/2014/main" id="{F5AA8DF6-5B76-DA56-85AD-D70E74FEC39E}"/>
+                <a16:creationId xmlns:a16="http://schemas.microsoft.com/office/drawing/2014/main" id="{82DA1FD3-E08F-E204-DAD3-F39C0C6CB6DB}"/>
               </a:ext>
             </a:extLst>
           </p:cNvPr>
@@ -1380,7 +1380,7 @@
           <p:cNvPr id="5" name="日期占位符 4">
             <a:extLst>
               <a:ext uri="{FF2B5EF4-FFF2-40B4-BE49-F238E27FC236}">
-                <a16:creationId xmlns:a16="http://schemas.microsoft.com/office/drawing/2014/main" id="{619F9523-AC81-CBDB-0AC0-D0D6A2C00A08}"/>
+                <a16:creationId xmlns:a16="http://schemas.microsoft.com/office/drawing/2014/main" id="{9082EA37-91E8-C074-3E3A-1D398F06D753}"/>
               </a:ext>
             </a:extLst>
           </p:cNvPr>
@@ -1396,7 +1396,7 @@
           <a:bodyPr/>
           <a:lstStyle/>
           <a:p>
-            <a:fld id="{2A2AFC07-5ECE-4CC9-94C1-AE3E71F40BE5}" type="datetimeFigureOut">
+            <a:fld id="{262E38BC-A53A-4045-951C-CBBEFBE14EF5}" type="datetimeFigureOut">
               <a:rPr lang="zh-CN" altLang="en-US" smtClean="0"/>
               <a:t>2024/3/10</a:t>
             </a:fld>
@@ -1409,7 +1409,7 @@
           <p:cNvPr id="6" name="页脚占位符 5">
             <a:extLst>
               <a:ext uri="{FF2B5EF4-FFF2-40B4-BE49-F238E27FC236}">
-                <a16:creationId xmlns:a16="http://schemas.microsoft.com/office/drawing/2014/main" id="{047C361D-9694-B82F-B9B0-DE9A49C48692}"/>
+                <a16:creationId xmlns:a16="http://schemas.microsoft.com/office/drawing/2014/main" id="{E6C1FD74-F3A8-621C-F3E8-58C963D23CBA}"/>
               </a:ext>
             </a:extLst>
           </p:cNvPr>
@@ -1434,7 +1434,7 @@
           <p:cNvPr id="7" name="灯片编号占位符 6">
             <a:extLst>
               <a:ext uri="{FF2B5EF4-FFF2-40B4-BE49-F238E27FC236}">
-                <a16:creationId xmlns:a16="http://schemas.microsoft.com/office/drawing/2014/main" id="{30708B89-7DA1-A72D-CBB5-77B4D09AEB5F}"/>
+                <a16:creationId xmlns:a16="http://schemas.microsoft.com/office/drawing/2014/main" id="{FA4451AA-A2BA-54CE-BA91-4616D46110BB}"/>
               </a:ext>
             </a:extLst>
           </p:cNvPr>
@@ -1450,7 +1450,7 @@
           <a:bodyPr/>
           <a:lstStyle/>
           <a:p>
-            <a:fld id="{15D008D2-02B8-4371-B89A-4029AADAE8BE}" type="slidenum">
+            <a:fld id="{1FB48DD2-CF1C-4ED1-BF42-71F1E0DFFC33}" type="slidenum">
               <a:rPr lang="zh-CN" altLang="en-US" smtClean="0"/>
               <a:t>‹#›</a:t>
             </a:fld>
@@ -1461,7 +1461,7 @@
     </p:spTree>
     <p:extLst>
       <p:ext uri="{BB962C8B-B14F-4D97-AF65-F5344CB8AC3E}">
-        <p14:creationId xmlns:p14="http://schemas.microsoft.com/office/powerpoint/2010/main" val="1844014695"/>
+        <p14:creationId xmlns:p14="http://schemas.microsoft.com/office/powerpoint/2010/main" val="798178470"/>
       </p:ext>
     </p:extLst>
   </p:cSld>
@@ -1493,7 +1493,7 @@
           <p:cNvPr id="2" name="标题 1">
             <a:extLst>
               <a:ext uri="{FF2B5EF4-FFF2-40B4-BE49-F238E27FC236}">
-                <a16:creationId xmlns:a16="http://schemas.microsoft.com/office/drawing/2014/main" id="{6A622384-2402-FD5E-2F4C-9E5BAE72BB3A}"/>
+                <a16:creationId xmlns:a16="http://schemas.microsoft.com/office/drawing/2014/main" id="{80D83A62-16A5-C443-E865-C191F0A90EDB}"/>
               </a:ext>
             </a:extLst>
           </p:cNvPr>
@@ -1526,7 +1526,7 @@
           <p:cNvPr id="3" name="文本占位符 2">
             <a:extLst>
               <a:ext uri="{FF2B5EF4-FFF2-40B4-BE49-F238E27FC236}">
-                <a16:creationId xmlns:a16="http://schemas.microsoft.com/office/drawing/2014/main" id="{5E188566-13F7-1342-DF2A-3BBC70B573BE}"/>
+                <a16:creationId xmlns:a16="http://schemas.microsoft.com/office/drawing/2014/main" id="{D0440E2E-FAB3-3A95-941D-3BB19A1E8F8A}"/>
               </a:ext>
             </a:extLst>
           </p:cNvPr>
@@ -1597,7 +1597,7 @@
           <p:cNvPr id="4" name="内容占位符 3">
             <a:extLst>
               <a:ext uri="{FF2B5EF4-FFF2-40B4-BE49-F238E27FC236}">
-                <a16:creationId xmlns:a16="http://schemas.microsoft.com/office/drawing/2014/main" id="{2A166E0A-8DD1-41E7-AF4B-5E931FA58B50}"/>
+                <a16:creationId xmlns:a16="http://schemas.microsoft.com/office/drawing/2014/main" id="{DBD5FA20-A23F-F1AE-E08C-200D1C6A6E36}"/>
               </a:ext>
             </a:extLst>
           </p:cNvPr>
@@ -1659,7 +1659,7 @@
           <p:cNvPr id="5" name="文本占位符 4">
             <a:extLst>
               <a:ext uri="{FF2B5EF4-FFF2-40B4-BE49-F238E27FC236}">
-                <a16:creationId xmlns:a16="http://schemas.microsoft.com/office/drawing/2014/main" id="{AE950490-0C50-028B-BFA3-3159D1C56BCE}"/>
+                <a16:creationId xmlns:a16="http://schemas.microsoft.com/office/drawing/2014/main" id="{397A39EB-6234-88D0-A98F-C46A161AA271}"/>
               </a:ext>
             </a:extLst>
           </p:cNvPr>
@@ -1730,7 +1730,7 @@
           <p:cNvPr id="6" name="内容占位符 5">
             <a:extLst>
               <a:ext uri="{FF2B5EF4-FFF2-40B4-BE49-F238E27FC236}">
-                <a16:creationId xmlns:a16="http://schemas.microsoft.com/office/drawing/2014/main" id="{CD17CAAB-B9D1-D608-8C02-4FF8E7D20E03}"/>
+                <a16:creationId xmlns:a16="http://schemas.microsoft.com/office/drawing/2014/main" id="{21AF2CA2-DE50-3FE8-FBE6-0705DAA1192E}"/>
               </a:ext>
             </a:extLst>
           </p:cNvPr>
@@ -1792,7 +1792,7 @@
           <p:cNvPr id="7" name="日期占位符 6">
             <a:extLst>
               <a:ext uri="{FF2B5EF4-FFF2-40B4-BE49-F238E27FC236}">
-                <a16:creationId xmlns:a16="http://schemas.microsoft.com/office/drawing/2014/main" id="{2B15761E-A62D-9B0C-12E1-403DA28C0BB0}"/>
+                <a16:creationId xmlns:a16="http://schemas.microsoft.com/office/drawing/2014/main" id="{9DE82601-0551-901C-D2D0-B13CD9432D0F}"/>
               </a:ext>
             </a:extLst>
           </p:cNvPr>
@@ -1808,7 +1808,7 @@
           <a:bodyPr/>
           <a:lstStyle/>
           <a:p>
-            <a:fld id="{2A2AFC07-5ECE-4CC9-94C1-AE3E71F40BE5}" type="datetimeFigureOut">
+            <a:fld id="{262E38BC-A53A-4045-951C-CBBEFBE14EF5}" type="datetimeFigureOut">
               <a:rPr lang="zh-CN" altLang="en-US" smtClean="0"/>
               <a:t>2024/3/10</a:t>
             </a:fld>
@@ -1821,7 +1821,7 @@
           <p:cNvPr id="8" name="页脚占位符 7">
             <a:extLst>
               <a:ext uri="{FF2B5EF4-FFF2-40B4-BE49-F238E27FC236}">
-                <a16:creationId xmlns:a16="http://schemas.microsoft.com/office/drawing/2014/main" id="{6FE05055-AC5A-4F19-A0C4-F2C0871A005E}"/>
+                <a16:creationId xmlns:a16="http://schemas.microsoft.com/office/drawing/2014/main" id="{CC487919-1A40-715C-CDC9-F3122DD7E077}"/>
               </a:ext>
             </a:extLst>
           </p:cNvPr>
@@ -1846,7 +1846,7 @@
           <p:cNvPr id="9" name="灯片编号占位符 8">
             <a:extLst>
               <a:ext uri="{FF2B5EF4-FFF2-40B4-BE49-F238E27FC236}">
-                <a16:creationId xmlns:a16="http://schemas.microsoft.com/office/drawing/2014/main" id="{58F793D9-C36E-B100-89ED-57F60BD7AC0C}"/>
+                <a16:creationId xmlns:a16="http://schemas.microsoft.com/office/drawing/2014/main" id="{B47E9EAA-53E4-3594-39A1-9EB023288EB6}"/>
               </a:ext>
             </a:extLst>
           </p:cNvPr>
@@ -1862,7 +1862,7 @@
           <a:bodyPr/>
           <a:lstStyle/>
           <a:p>
-            <a:fld id="{15D008D2-02B8-4371-B89A-4029AADAE8BE}" type="slidenum">
+            <a:fld id="{1FB48DD2-CF1C-4ED1-BF42-71F1E0DFFC33}" type="slidenum">
               <a:rPr lang="zh-CN" altLang="en-US" smtClean="0"/>
               <a:t>‹#›</a:t>
             </a:fld>
@@ -1873,7 +1873,7 @@
     </p:spTree>
     <p:extLst>
       <p:ext uri="{BB962C8B-B14F-4D97-AF65-F5344CB8AC3E}">
-        <p14:creationId xmlns:p14="http://schemas.microsoft.com/office/powerpoint/2010/main" val="3687614693"/>
+        <p14:creationId xmlns:p14="http://schemas.microsoft.com/office/powerpoint/2010/main" val="2360270252"/>
       </p:ext>
     </p:extLst>
   </p:cSld>
@@ -1905,7 +1905,7 @@
           <p:cNvPr id="2" name="标题 1">
             <a:extLst>
               <a:ext uri="{FF2B5EF4-FFF2-40B4-BE49-F238E27FC236}">
-                <a16:creationId xmlns:a16="http://schemas.microsoft.com/office/drawing/2014/main" id="{78E53E96-832A-3A09-3E80-7095C3752C17}"/>
+                <a16:creationId xmlns:a16="http://schemas.microsoft.com/office/drawing/2014/main" id="{82BAFDD0-D065-5EDB-E57B-9B56BB80CA96}"/>
               </a:ext>
             </a:extLst>
           </p:cNvPr>
@@ -1933,7 +1933,7 @@
           <p:cNvPr id="3" name="日期占位符 2">
             <a:extLst>
               <a:ext uri="{FF2B5EF4-FFF2-40B4-BE49-F238E27FC236}">
-                <a16:creationId xmlns:a16="http://schemas.microsoft.com/office/drawing/2014/main" id="{8B4EA6F7-A859-77B3-2A4D-B05B4240A4AB}"/>
+                <a16:creationId xmlns:a16="http://schemas.microsoft.com/office/drawing/2014/main" id="{0DCC00EA-B23B-EAFC-1CE0-AADD6E35ED8E}"/>
               </a:ext>
             </a:extLst>
           </p:cNvPr>
@@ -1949,7 +1949,7 @@
           <a:bodyPr/>
           <a:lstStyle/>
           <a:p>
-            <a:fld id="{2A2AFC07-5ECE-4CC9-94C1-AE3E71F40BE5}" type="datetimeFigureOut">
+            <a:fld id="{262E38BC-A53A-4045-951C-CBBEFBE14EF5}" type="datetimeFigureOut">
               <a:rPr lang="zh-CN" altLang="en-US" smtClean="0"/>
               <a:t>2024/3/10</a:t>
             </a:fld>
@@ -1962,7 +1962,7 @@
           <p:cNvPr id="4" name="页脚占位符 3">
             <a:extLst>
               <a:ext uri="{FF2B5EF4-FFF2-40B4-BE49-F238E27FC236}">
-                <a16:creationId xmlns:a16="http://schemas.microsoft.com/office/drawing/2014/main" id="{425D581B-BAC9-7B32-5DA5-BEDABA6641E6}"/>
+                <a16:creationId xmlns:a16="http://schemas.microsoft.com/office/drawing/2014/main" id="{5D31AA2E-FA50-B529-FB5A-3C321EBAF3C3}"/>
               </a:ext>
             </a:extLst>
           </p:cNvPr>
@@ -1987,7 +1987,7 @@
           <p:cNvPr id="5" name="灯片编号占位符 4">
             <a:extLst>
               <a:ext uri="{FF2B5EF4-FFF2-40B4-BE49-F238E27FC236}">
-                <a16:creationId xmlns:a16="http://schemas.microsoft.com/office/drawing/2014/main" id="{4FD4B973-D575-0180-9F55-A19BDCE9EC08}"/>
+                <a16:creationId xmlns:a16="http://schemas.microsoft.com/office/drawing/2014/main" id="{3FA589F1-1ADC-F3EC-1B69-F8BED737EA5E}"/>
               </a:ext>
             </a:extLst>
           </p:cNvPr>
@@ -2003,7 +2003,7 @@
           <a:bodyPr/>
           <a:lstStyle/>
           <a:p>
-            <a:fld id="{15D008D2-02B8-4371-B89A-4029AADAE8BE}" type="slidenum">
+            <a:fld id="{1FB48DD2-CF1C-4ED1-BF42-71F1E0DFFC33}" type="slidenum">
               <a:rPr lang="zh-CN" altLang="en-US" smtClean="0"/>
               <a:t>‹#›</a:t>
             </a:fld>
@@ -2014,7 +2014,7 @@
     </p:spTree>
     <p:extLst>
       <p:ext uri="{BB962C8B-B14F-4D97-AF65-F5344CB8AC3E}">
-        <p14:creationId xmlns:p14="http://schemas.microsoft.com/office/powerpoint/2010/main" val="1825589477"/>
+        <p14:creationId xmlns:p14="http://schemas.microsoft.com/office/powerpoint/2010/main" val="4045507756"/>
       </p:ext>
     </p:extLst>
   </p:cSld>
@@ -2046,7 +2046,7 @@
           <p:cNvPr id="2" name="日期占位符 1">
             <a:extLst>
               <a:ext uri="{FF2B5EF4-FFF2-40B4-BE49-F238E27FC236}">
-                <a16:creationId xmlns:a16="http://schemas.microsoft.com/office/drawing/2014/main" id="{297B16F7-FE07-890F-7DF3-9AB9C1E832DE}"/>
+                <a16:creationId xmlns:a16="http://schemas.microsoft.com/office/drawing/2014/main" id="{1FCEF702-D2C9-048B-D86F-9E97B47C4790}"/>
               </a:ext>
             </a:extLst>
           </p:cNvPr>
@@ -2062,7 +2062,7 @@
           <a:bodyPr/>
           <a:lstStyle/>
           <a:p>
-            <a:fld id="{2A2AFC07-5ECE-4CC9-94C1-AE3E71F40BE5}" type="datetimeFigureOut">
+            <a:fld id="{262E38BC-A53A-4045-951C-CBBEFBE14EF5}" type="datetimeFigureOut">
               <a:rPr lang="zh-CN" altLang="en-US" smtClean="0"/>
               <a:t>2024/3/10</a:t>
             </a:fld>
@@ -2075,7 +2075,7 @@
           <p:cNvPr id="3" name="页脚占位符 2">
             <a:extLst>
               <a:ext uri="{FF2B5EF4-FFF2-40B4-BE49-F238E27FC236}">
-                <a16:creationId xmlns:a16="http://schemas.microsoft.com/office/drawing/2014/main" id="{7640CAC3-5BB4-0CBA-C482-756DE62C43C4}"/>
+                <a16:creationId xmlns:a16="http://schemas.microsoft.com/office/drawing/2014/main" id="{8D5FC6F0-50B5-7522-9404-65B8A861E841}"/>
               </a:ext>
             </a:extLst>
           </p:cNvPr>
@@ -2100,7 +2100,7 @@
           <p:cNvPr id="4" name="灯片编号占位符 3">
             <a:extLst>
               <a:ext uri="{FF2B5EF4-FFF2-40B4-BE49-F238E27FC236}">
-                <a16:creationId xmlns:a16="http://schemas.microsoft.com/office/drawing/2014/main" id="{115E902F-12FA-3BC0-5F01-CF12BA3552C1}"/>
+                <a16:creationId xmlns:a16="http://schemas.microsoft.com/office/drawing/2014/main" id="{D50C5CE2-64A1-79A5-0F72-360319E8D708}"/>
               </a:ext>
             </a:extLst>
           </p:cNvPr>
@@ -2116,7 +2116,7 @@
           <a:bodyPr/>
           <a:lstStyle/>
           <a:p>
-            <a:fld id="{15D008D2-02B8-4371-B89A-4029AADAE8BE}" type="slidenum">
+            <a:fld id="{1FB48DD2-CF1C-4ED1-BF42-71F1E0DFFC33}" type="slidenum">
               <a:rPr lang="zh-CN" altLang="en-US" smtClean="0"/>
               <a:t>‹#›</a:t>
             </a:fld>
@@ -2127,7 +2127,7 @@
     </p:spTree>
     <p:extLst>
       <p:ext uri="{BB962C8B-B14F-4D97-AF65-F5344CB8AC3E}">
-        <p14:creationId xmlns:p14="http://schemas.microsoft.com/office/powerpoint/2010/main" val="827911501"/>
+        <p14:creationId xmlns:p14="http://schemas.microsoft.com/office/powerpoint/2010/main" val="1194197462"/>
       </p:ext>
     </p:extLst>
   </p:cSld>
@@ -2159,7 +2159,7 @@
           <p:cNvPr id="2" name="标题 1">
             <a:extLst>
               <a:ext uri="{FF2B5EF4-FFF2-40B4-BE49-F238E27FC236}">
-                <a16:creationId xmlns:a16="http://schemas.microsoft.com/office/drawing/2014/main" id="{14FCCA48-22DF-2817-80A6-9AC691F9DC7B}"/>
+                <a16:creationId xmlns:a16="http://schemas.microsoft.com/office/drawing/2014/main" id="{6E3E6BC5-333A-3932-3209-5B1F97AF8D1B}"/>
               </a:ext>
             </a:extLst>
           </p:cNvPr>
@@ -2196,7 +2196,7 @@
           <p:cNvPr id="3" name="内容占位符 2">
             <a:extLst>
               <a:ext uri="{FF2B5EF4-FFF2-40B4-BE49-F238E27FC236}">
-                <a16:creationId xmlns:a16="http://schemas.microsoft.com/office/drawing/2014/main" id="{D44A2E53-FFBE-1BB2-BC84-9BA57D340D98}"/>
+                <a16:creationId xmlns:a16="http://schemas.microsoft.com/office/drawing/2014/main" id="{9BFF2F6A-9B1F-87C4-2DC1-BACF4F55AD73}"/>
               </a:ext>
             </a:extLst>
           </p:cNvPr>
@@ -2286,7 +2286,7 @@
           <p:cNvPr id="4" name="文本占位符 3">
             <a:extLst>
               <a:ext uri="{FF2B5EF4-FFF2-40B4-BE49-F238E27FC236}">
-                <a16:creationId xmlns:a16="http://schemas.microsoft.com/office/drawing/2014/main" id="{B0666C4A-5CCA-C68C-C139-B417D37AF437}"/>
+                <a16:creationId xmlns:a16="http://schemas.microsoft.com/office/drawing/2014/main" id="{5D31C3E3-7490-1BF6-834D-541D671DAA5E}"/>
               </a:ext>
             </a:extLst>
           </p:cNvPr>
@@ -2357,7 +2357,7 @@
           <p:cNvPr id="5" name="日期占位符 4">
             <a:extLst>
               <a:ext uri="{FF2B5EF4-FFF2-40B4-BE49-F238E27FC236}">
-                <a16:creationId xmlns:a16="http://schemas.microsoft.com/office/drawing/2014/main" id="{C2F1AFBA-83BA-2752-F3DC-64D039F6A95E}"/>
+                <a16:creationId xmlns:a16="http://schemas.microsoft.com/office/drawing/2014/main" id="{43EE8A84-A084-9451-3970-8E96DE7D1871}"/>
               </a:ext>
             </a:extLst>
           </p:cNvPr>
@@ -2373,7 +2373,7 @@
           <a:bodyPr/>
           <a:lstStyle/>
           <a:p>
-            <a:fld id="{2A2AFC07-5ECE-4CC9-94C1-AE3E71F40BE5}" type="datetimeFigureOut">
+            <a:fld id="{262E38BC-A53A-4045-951C-CBBEFBE14EF5}" type="datetimeFigureOut">
               <a:rPr lang="zh-CN" altLang="en-US" smtClean="0"/>
               <a:t>2024/3/10</a:t>
             </a:fld>
@@ -2386,7 +2386,7 @@
           <p:cNvPr id="6" name="页脚占位符 5">
             <a:extLst>
               <a:ext uri="{FF2B5EF4-FFF2-40B4-BE49-F238E27FC236}">
-                <a16:creationId xmlns:a16="http://schemas.microsoft.com/office/drawing/2014/main" id="{0B03D987-A78A-C207-F0F1-08F85534B48F}"/>
+                <a16:creationId xmlns:a16="http://schemas.microsoft.com/office/drawing/2014/main" id="{2E6683D1-DE08-C079-179A-98034C9216B9}"/>
               </a:ext>
             </a:extLst>
           </p:cNvPr>
@@ -2411,7 +2411,7 @@
           <p:cNvPr id="7" name="灯片编号占位符 6">
             <a:extLst>
               <a:ext uri="{FF2B5EF4-FFF2-40B4-BE49-F238E27FC236}">
-                <a16:creationId xmlns:a16="http://schemas.microsoft.com/office/drawing/2014/main" id="{855BB28C-0590-C319-74FC-D25792196913}"/>
+                <a16:creationId xmlns:a16="http://schemas.microsoft.com/office/drawing/2014/main" id="{9E04B429-8CC3-CB2F-46A1-1CF777431EFF}"/>
               </a:ext>
             </a:extLst>
           </p:cNvPr>
@@ -2427,7 +2427,7 @@
           <a:bodyPr/>
           <a:lstStyle/>
           <a:p>
-            <a:fld id="{15D008D2-02B8-4371-B89A-4029AADAE8BE}" type="slidenum">
+            <a:fld id="{1FB48DD2-CF1C-4ED1-BF42-71F1E0DFFC33}" type="slidenum">
               <a:rPr lang="zh-CN" altLang="en-US" smtClean="0"/>
               <a:t>‹#›</a:t>
             </a:fld>
@@ -2438,7 +2438,7 @@
     </p:spTree>
     <p:extLst>
       <p:ext uri="{BB962C8B-B14F-4D97-AF65-F5344CB8AC3E}">
-        <p14:creationId xmlns:p14="http://schemas.microsoft.com/office/powerpoint/2010/main" val="1581239597"/>
+        <p14:creationId xmlns:p14="http://schemas.microsoft.com/office/powerpoint/2010/main" val="2216474974"/>
       </p:ext>
     </p:extLst>
   </p:cSld>
@@ -2470,7 +2470,7 @@
           <p:cNvPr id="2" name="标题 1">
             <a:extLst>
               <a:ext uri="{FF2B5EF4-FFF2-40B4-BE49-F238E27FC236}">
-                <a16:creationId xmlns:a16="http://schemas.microsoft.com/office/drawing/2014/main" id="{9A20582D-CD79-9951-F6B8-B9CF3A4F4C87}"/>
+                <a16:creationId xmlns:a16="http://schemas.microsoft.com/office/drawing/2014/main" id="{02B23362-365F-CA6B-CF8A-5928D34DB076}"/>
               </a:ext>
             </a:extLst>
           </p:cNvPr>
@@ -2507,7 +2507,7 @@
           <p:cNvPr id="3" name="图片占位符 2">
             <a:extLst>
               <a:ext uri="{FF2B5EF4-FFF2-40B4-BE49-F238E27FC236}">
-                <a16:creationId xmlns:a16="http://schemas.microsoft.com/office/drawing/2014/main" id="{0BA3039A-1522-067D-0C9C-7F2F68B1049A}"/>
+                <a16:creationId xmlns:a16="http://schemas.microsoft.com/office/drawing/2014/main" id="{968227A0-5836-44C5-C057-C2601F1A629B}"/>
               </a:ext>
             </a:extLst>
           </p:cNvPr>
@@ -2574,7 +2574,7 @@
           <p:cNvPr id="4" name="文本占位符 3">
             <a:extLst>
               <a:ext uri="{FF2B5EF4-FFF2-40B4-BE49-F238E27FC236}">
-                <a16:creationId xmlns:a16="http://schemas.microsoft.com/office/drawing/2014/main" id="{D904CA26-4C77-9C55-8728-253300CE23D1}"/>
+                <a16:creationId xmlns:a16="http://schemas.microsoft.com/office/drawing/2014/main" id="{A84BF9AB-D728-DACA-04AD-782C75F1FDD0}"/>
               </a:ext>
             </a:extLst>
           </p:cNvPr>
@@ -2645,7 +2645,7 @@
           <p:cNvPr id="5" name="日期占位符 4">
             <a:extLst>
               <a:ext uri="{FF2B5EF4-FFF2-40B4-BE49-F238E27FC236}">
-                <a16:creationId xmlns:a16="http://schemas.microsoft.com/office/drawing/2014/main" id="{35314B7D-5D83-1CE2-8156-C4A1FE4AA783}"/>
+                <a16:creationId xmlns:a16="http://schemas.microsoft.com/office/drawing/2014/main" id="{1FA1D2D2-C71E-76B7-8078-637ADA5336A8}"/>
               </a:ext>
             </a:extLst>
           </p:cNvPr>
@@ -2661,7 +2661,7 @@
           <a:bodyPr/>
           <a:lstStyle/>
           <a:p>
-            <a:fld id="{2A2AFC07-5ECE-4CC9-94C1-AE3E71F40BE5}" type="datetimeFigureOut">
+            <a:fld id="{262E38BC-A53A-4045-951C-CBBEFBE14EF5}" type="datetimeFigureOut">
               <a:rPr lang="zh-CN" altLang="en-US" smtClean="0"/>
               <a:t>2024/3/10</a:t>
             </a:fld>
@@ -2674,7 +2674,7 @@
           <p:cNvPr id="6" name="页脚占位符 5">
             <a:extLst>
               <a:ext uri="{FF2B5EF4-FFF2-40B4-BE49-F238E27FC236}">
-                <a16:creationId xmlns:a16="http://schemas.microsoft.com/office/drawing/2014/main" id="{871C4AA4-9450-EBE0-1511-B5FA70DC6683}"/>
+                <a16:creationId xmlns:a16="http://schemas.microsoft.com/office/drawing/2014/main" id="{BE24DE02-C09D-D36C-3F45-4D8D47E60A4A}"/>
               </a:ext>
             </a:extLst>
           </p:cNvPr>
@@ -2699,7 +2699,7 @@
           <p:cNvPr id="7" name="灯片编号占位符 6">
             <a:extLst>
               <a:ext uri="{FF2B5EF4-FFF2-40B4-BE49-F238E27FC236}">
-                <a16:creationId xmlns:a16="http://schemas.microsoft.com/office/drawing/2014/main" id="{F5F3A07C-806E-C4AA-7379-8AA9B72D0B18}"/>
+                <a16:creationId xmlns:a16="http://schemas.microsoft.com/office/drawing/2014/main" id="{526A4701-5AA7-7891-2C76-6D74604708DC}"/>
               </a:ext>
             </a:extLst>
           </p:cNvPr>
@@ -2715,7 +2715,7 @@
           <a:bodyPr/>
           <a:lstStyle/>
           <a:p>
-            <a:fld id="{15D008D2-02B8-4371-B89A-4029AADAE8BE}" type="slidenum">
+            <a:fld id="{1FB48DD2-CF1C-4ED1-BF42-71F1E0DFFC33}" type="slidenum">
               <a:rPr lang="zh-CN" altLang="en-US" smtClean="0"/>
               <a:t>‹#›</a:t>
             </a:fld>
@@ -2726,7 +2726,7 @@
     </p:spTree>
     <p:extLst>
       <p:ext uri="{BB962C8B-B14F-4D97-AF65-F5344CB8AC3E}">
-        <p14:creationId xmlns:p14="http://schemas.microsoft.com/office/powerpoint/2010/main" val="2533050151"/>
+        <p14:creationId xmlns:p14="http://schemas.microsoft.com/office/powerpoint/2010/main" val="3802968996"/>
       </p:ext>
     </p:extLst>
   </p:cSld>
@@ -2763,7 +2763,7 @@
           <p:cNvPr id="2" name="标题占位符 1">
             <a:extLst>
               <a:ext uri="{FF2B5EF4-FFF2-40B4-BE49-F238E27FC236}">
-                <a16:creationId xmlns:a16="http://schemas.microsoft.com/office/drawing/2014/main" id="{BC422F1A-33D9-3237-1A9C-422B9488B442}"/>
+                <a16:creationId xmlns:a16="http://schemas.microsoft.com/office/drawing/2014/main" id="{38DB9B66-D536-C9CD-1277-16F3C4DD7CB4}"/>
               </a:ext>
             </a:extLst>
           </p:cNvPr>
@@ -2801,7 +2801,7 @@
           <p:cNvPr id="3" name="文本占位符 2">
             <a:extLst>
               <a:ext uri="{FF2B5EF4-FFF2-40B4-BE49-F238E27FC236}">
-                <a16:creationId xmlns:a16="http://schemas.microsoft.com/office/drawing/2014/main" id="{7AF1A214-3800-51E1-A10D-03A408BABECE}"/>
+                <a16:creationId xmlns:a16="http://schemas.microsoft.com/office/drawing/2014/main" id="{681C1967-EC27-9743-9194-8904D465A32B}"/>
               </a:ext>
             </a:extLst>
           </p:cNvPr>
@@ -2868,7 +2868,7 @@
           <p:cNvPr id="4" name="日期占位符 3">
             <a:extLst>
               <a:ext uri="{FF2B5EF4-FFF2-40B4-BE49-F238E27FC236}">
-                <a16:creationId xmlns:a16="http://schemas.microsoft.com/office/drawing/2014/main" id="{1530204F-47D3-7B57-30AB-211B30FAE676}"/>
+                <a16:creationId xmlns:a16="http://schemas.microsoft.com/office/drawing/2014/main" id="{0AEE251B-A4E9-AF70-A692-84891950424D}"/>
               </a:ext>
             </a:extLst>
           </p:cNvPr>
@@ -2902,7 +2902,7 @@
             </a:lvl1pPr>
           </a:lstStyle>
           <a:p>
-            <a:fld id="{2A2AFC07-5ECE-4CC9-94C1-AE3E71F40BE5}" type="datetimeFigureOut">
+            <a:fld id="{262E38BC-A53A-4045-951C-CBBEFBE14EF5}" type="datetimeFigureOut">
               <a:rPr lang="zh-CN" altLang="en-US" smtClean="0"/>
               <a:t>2024/3/10</a:t>
             </a:fld>
@@ -2915,7 +2915,7 @@
           <p:cNvPr id="5" name="页脚占位符 4">
             <a:extLst>
               <a:ext uri="{FF2B5EF4-FFF2-40B4-BE49-F238E27FC236}">
-                <a16:creationId xmlns:a16="http://schemas.microsoft.com/office/drawing/2014/main" id="{765B6662-8DCF-7A6F-9170-B2ECD2396AA1}"/>
+                <a16:creationId xmlns:a16="http://schemas.microsoft.com/office/drawing/2014/main" id="{F3C1DED9-97AA-42E2-1196-AA7F61D53DA3}"/>
               </a:ext>
             </a:extLst>
           </p:cNvPr>
@@ -2958,7 +2958,7 @@
           <p:cNvPr id="6" name="灯片编号占位符 5">
             <a:extLst>
               <a:ext uri="{FF2B5EF4-FFF2-40B4-BE49-F238E27FC236}">
-                <a16:creationId xmlns:a16="http://schemas.microsoft.com/office/drawing/2014/main" id="{91B6747A-F04F-F3A9-DC95-D2A172896EB3}"/>
+                <a16:creationId xmlns:a16="http://schemas.microsoft.com/office/drawing/2014/main" id="{1717463A-A1F7-ED95-ABB5-35CE7123807C}"/>
               </a:ext>
             </a:extLst>
           </p:cNvPr>
@@ -2992,7 +2992,7 @@
             </a:lvl1pPr>
           </a:lstStyle>
           <a:p>
-            <a:fld id="{15D008D2-02B8-4371-B89A-4029AADAE8BE}" type="slidenum">
+            <a:fld id="{1FB48DD2-CF1C-4ED1-BF42-71F1E0DFFC33}" type="slidenum">
               <a:rPr lang="zh-CN" altLang="en-US" smtClean="0"/>
               <a:t>‹#›</a:t>
             </a:fld>
@@ -3003,7 +3003,7 @@
     </p:spTree>
     <p:extLst>
       <p:ext uri="{BB962C8B-B14F-4D97-AF65-F5344CB8AC3E}">
-        <p14:creationId xmlns:p14="http://schemas.microsoft.com/office/powerpoint/2010/main" val="3874644166"/>
+        <p14:creationId xmlns:p14="http://schemas.microsoft.com/office/powerpoint/2010/main" val="3453493021"/>
       </p:ext>
     </p:extLst>
   </p:cSld>
@@ -3323,7 +3323,7 @@
       </p:grpSpPr>
       <p:pic>
         <p:nvPicPr>
-          <p:cNvPr id="1347586" name="Picture 2" descr="1315"/>
+          <p:cNvPr id="1348610" name="Picture 2" descr="1316"/>
           <p:cNvPicPr>
             <a:picLocks noChangeAspect="1" noChangeArrowheads="1"/>
           </p:cNvPicPr>
@@ -3345,7 +3345,7 @@
         <p:spPr bwMode="auto">
           <a:xfrm>
             <a:off x="1524000" y="0"/>
-            <a:ext cx="9144000" cy="5589588"/>
+            <a:ext cx="9144000" cy="6858000"/>
           </a:xfrm>
           <a:prstGeom prst="rect">
             <a:avLst/>
